--- a/output/XCon Learning with Experts for Fine-grained Category Discovery.pptx
+++ b/output/XCon Learning with Experts for Fine-grained Category Discovery.pptx
@@ -14,7 +14,6 @@
     <p:sldId id="261" r:id="rId9"/>
     <p:sldId id="262" r:id="rId10"/>
     <p:sldId id="263" r:id="rId11"/>
-    <p:sldId id="264" r:id="rId12"/>
   </p:sldIdLst>
   <p:sldSz cx="9144000" cy="5143500"/>
   <p:notesSz cx="7559675" cy="10691812"/>
@@ -3516,7 +3515,9 @@
                 <a:latin typeface="Montserrat"/>
                 <a:ea typeface="Montserrat"/>
               </a:rPr>
-              <a:t>We address the problem of generalized category discovery (GCD) in this paper, focusing on fine-grained category discovery leveraging information from seen classes.</a:t>
+              <a:t>- Generalized Category Discovery (GCD)
+- Challenge of large inter-class similarity and intra-class variance
+- Importance of discriminative features in fine-grained category discovery</a:t>
             </a:r>
             <a:endParaRPr b="0" lang="en-US" sz="2000" spc="-1" strike="noStrike">
               <a:latin typeface="Arial"/>
@@ -3671,7 +3672,7 @@
                 <a:latin typeface="Montserrat ExtraBold"/>
                 <a:ea typeface="Montserrat ExtraBold"/>
               </a:rPr>
-              <a:t>Problem Statement</a:t>
+              <a:t>Expert-Contrastive Learning Method</a:t>
             </a:r>
             <a:endParaRPr b="0" lang="en-US" sz="2400" spc="-1" strike="noStrike">
               <a:latin typeface="Arial"/>
@@ -3725,7 +3726,10 @@
                 <a:latin typeface="Montserrat"/>
                 <a:ea typeface="Montserrat"/>
               </a:rPr>
-              <a:t>The challenge in fine-grained category discovery lies in large inter-class similarity and intra-class variance, requiring models to learn discriminative features. Unsupervised representations may cluster data based on non-discriminative cues.</a:t>
+              <a:t>- Leveraging information from a set of seen classes
+- Partitioning data into k sub-datasets
+- Joint contrastive representation learning on each partition
+- Improvements over previous GCD methods</a:t>
             </a:r>
             <a:endParaRPr b="0" lang="en-US" sz="2000" spc="-1" strike="noStrike">
               <a:latin typeface="Arial"/>
@@ -3875,7 +3879,7 @@
                 <a:latin typeface="Montserrat ExtraBold"/>
                 <a:ea typeface="Montserrat ExtraBold"/>
               </a:rPr>
-              <a:t>Proposed Method - Expert-Contrastive Learning</a:t>
+              <a:t>Semi-supervised k-means Method</a:t>
             </a:r>
             <a:endParaRPr b="0" lang="en-US" sz="2400" spc="-1" strike="noStrike">
               <a:latin typeface="Arial"/>
@@ -3929,7 +3933,9 @@
                 <a:latin typeface="Montserrat"/>
                 <a:ea typeface="Montserrat"/>
               </a:rPr>
-              <a:t>Our novel method, Expert-Contrastive Learning, partitions data into k sub-datasets using k-means clustering on DINO pretrained representations. It performs joint supervised and unsupervised contrastive learning on each partition.</a:t>
+              <a:t>- Clustering unlabeled data for informative contrastive pairs
+- Combining supervised and unsupervised contrastive learning
+- Learning objective and key assumptions</a:t>
             </a:r>
             <a:endParaRPr b="0" lang="en-US" sz="2000" spc="-1" strike="noStrike">
               <a:latin typeface="Arial"/>
@@ -4079,7 +4085,7 @@
                 <a:latin typeface="Montserrat ExtraBold"/>
                 <a:ea typeface="Montserrat ExtraBold"/>
               </a:rPr>
-              <a:t>Experimental Results on Generic Datasets</a:t>
+              <a:t>Representation Learning Challenges</a:t>
             </a:r>
             <a:endParaRPr b="0" lang="en-US" sz="2400" spc="-1" strike="noStrike">
               <a:latin typeface="Arial"/>
@@ -4133,7 +4139,10 @@
                 <a:latin typeface="Montserrat"/>
                 <a:ea typeface="Montserrat"/>
               </a:rPr>
-              <a:t>Results on CIFAR-10/100, ImageNet-100, and Stanford Cars datasets show XCon outperforms previous methods, with a significant improvement from DINO to XCon in clustering unlabeled data.</a:t>
+              <a:t>- Requirements for sensitive discriminative traits
+- Advantages of self-supervised representations
+- Expert projectors for fine-grained features
+- Model tuning with supervised and self-supervised contrastive losses</a:t>
             </a:r>
             <a:endParaRPr b="0" lang="en-US" sz="2000" spc="-1" strike="noStrike">
               <a:latin typeface="Arial"/>
@@ -4283,7 +4292,7 @@
                 <a:latin typeface="Montserrat ExtraBold"/>
                 <a:ea typeface="Montserrat ExtraBold"/>
               </a:rPr>
-              <a:t>Experimental Results on Fine-Grained Datasets</a:t>
+              <a:t>Experimental Evaluation</a:t>
             </a:r>
             <a:endParaRPr b="0" lang="en-US" sz="2400" spc="-1" strike="noStrike">
               <a:latin typeface="Arial"/>
@@ -4337,7 +4346,10 @@
                 <a:latin typeface="Montserrat"/>
                 <a:ea typeface="Montserrat"/>
               </a:rPr>
-              <a:t>XCon demonstrates performance improvements on fine-grained image classification benchmarks, showcasing clear boundaries between different categories in CIFAR-10.</a:t>
+              <a:t>- Comparing results on image classification datasets
+- Performance measurement using clustering accuracy (ACC)
+- Results on generic datasets (CIFAR-10/100, ImageNet-100, Standford Cars)
+- Implementation details and performance improvements</a:t>
             </a:r>
             <a:endParaRPr b="0" lang="en-US" sz="2000" spc="-1" strike="noStrike">
               <a:latin typeface="Arial"/>
@@ -4487,7 +4499,7 @@
                 <a:latin typeface="Montserrat ExtraBold"/>
                 <a:ea typeface="Montserrat ExtraBold"/>
               </a:rPr>
-              <a:t>Ablation Study and Parameter Analysis</a:t>
+              <a:t>Results Analysis</a:t>
             </a:r>
             <a:endParaRPr b="0" lang="en-US" sz="2400" spc="-1" strike="noStrike">
               <a:latin typeface="Arial"/>
@@ -4541,7 +4553,10 @@
                 <a:latin typeface="Montserrat"/>
                 <a:ea typeface="Montserrat"/>
               </a:rPr>
-              <a:t>Ablation study shows the necessity of balanced parameters in contrastive loss, with λ = 0.35 yielding the best performance. Analysis on different class numbers further validates the effectiveness of XCon.</a:t>
+              <a:t>- Impact of adjusting elements in the method
+- Performance variations based on sub-dataset number
+- Comparison between DINO and XCon improvements
+- Clear clustering boundaries and category representation</a:t>
             </a:r>
             <a:endParaRPr b="0" lang="en-US" sz="2000" spc="-1" strike="noStrike">
               <a:latin typeface="Arial"/>
@@ -4691,7 +4706,7 @@
                 <a:latin typeface="Montserrat ExtraBold"/>
                 <a:ea typeface="Montserrat ExtraBold"/>
               </a:rPr>
-              <a:t>Conclusion</a:t>
+              <a:t>Conclusion and Future Work</a:t>
             </a:r>
             <a:endParaRPr b="0" lang="en-US" sz="2400" spc="-1" strike="noStrike">
               <a:latin typeface="Arial"/>
@@ -4745,211 +4760,10 @@
                 <a:latin typeface="Montserrat"/>
                 <a:ea typeface="Montserrat"/>
               </a:rPr>
-              <a:t>XCon offers a novel approach to fine-grained category discovery, effectively leveraging self-supervised representations for improved classification performance.</a:t>
-            </a:r>
-            <a:endParaRPr b="0" lang="en-US" sz="2000" spc="-1" strike="noStrike">
-              <a:latin typeface="Arial"/>
-            </a:endParaRPr>
-          </a:p>
-          <a:p>
-            <a:pPr>
-              <a:lnSpc>
-                <a:spcPct val="100000"/>
-              </a:lnSpc>
-              <a:tabLst>
-                <a:tab algn="l" pos="0"/>
-              </a:tabLst>
-            </a:pPr>
-            <a:endParaRPr b="0" lang="en-US" sz="2000" spc="-1" strike="noStrike">
-              <a:latin typeface="Arial"/>
-            </a:endParaRPr>
-          </a:p>
-          <a:p>
-            <a:pPr>
-              <a:lnSpc>
-                <a:spcPct val="100000"/>
-              </a:lnSpc>
-              <a:spcAft>
-                <a:spcPts val="1599"/>
-              </a:spcAft>
-              <a:tabLst>
-                <a:tab algn="l" pos="0"/>
-              </a:tabLst>
-            </a:pPr>
-            <a:endParaRPr b="0" lang="en-US" sz="2000" spc="-1" strike="noStrike">
-              <a:latin typeface="Arial"/>
-            </a:endParaRPr>
-          </a:p>
-        </p:txBody>
-      </p:sp>
-      <p:sp>
-        <p:nvSpPr>
-          <p:cNvPr id="80" name="CustomShape 3"/>
-          <p:cNvSpPr/>
-          <p:nvPr/>
-        </p:nvSpPr>
-        <p:spPr>
-          <a:xfrm>
-            <a:off x="1026360" y="414000"/>
-            <a:ext cx="2760840" cy="360"/>
-          </a:xfrm>
-          <a:custGeom>
-            <a:avLst/>
-            <a:gdLst/>
-            <a:ahLst/>
-            <a:rect l="l" t="t" r="r" b="b"/>
-            <a:pathLst>
-              <a:path w="21600" h="21600">
-                <a:moveTo>
-                  <a:pt x="0" y="0"/>
-                </a:moveTo>
-                <a:lnTo>
-                  <a:pt x="21600" y="21600"/>
-                </a:lnTo>
-              </a:path>
-            </a:pathLst>
-          </a:custGeom>
-          <a:noFill/>
-          <a:ln w="9360">
-            <a:solidFill>
-              <a:schemeClr val="accent1"/>
-            </a:solidFill>
-            <a:round/>
-          </a:ln>
-          <a:effectLst>
-            <a:outerShdw algn="bl" blurRad="57150" dir="5400000" dist="19080" rotWithShape="0">
-              <a:srgbClr val="ffffff">
-                <a:alpha val="50000"/>
-              </a:srgbClr>
-            </a:outerShdw>
-          </a:effectLst>
-        </p:spPr>
-        <p:style>
-          <a:lnRef idx="0"/>
-          <a:fillRef idx="0"/>
-          <a:effectRef idx="0"/>
-          <a:fontRef idx="minor"/>
-        </p:style>
-      </p:sp>
-    </p:spTree>
-  </p:cSld>
-  <p:clrMapOvr>
-    <a:masterClrMapping/>
-  </p:clrMapOvr>
-</p:sld>
-</file>
-
-<file path=ppt/slides/slide9.xml><?xml version="1.0" encoding="utf-8"?>
-<p:sld xmlns:a="http://schemas.openxmlformats.org/drawingml/2006/main" xmlns:p="http://schemas.openxmlformats.org/presentationml/2006/main" xmlns:r="http://schemas.openxmlformats.org/officeDocument/2006/relationships">
-  <p:cSld>
-    <p:spTree>
-      <p:nvGrpSpPr>
-        <p:cNvPr id="1" name=""/>
-        <p:cNvGrpSpPr/>
-        <p:nvPr/>
-      </p:nvGrpSpPr>
-      <p:grpSpPr/>
-      <p:sp>
-        <p:nvSpPr>
-          <p:cNvPr id="78" name="CustomShape 1"/>
-          <p:cNvSpPr/>
-          <p:nvPr/>
-        </p:nvSpPr>
-        <p:spPr>
-          <a:xfrm>
-            <a:off x="938520" y="444960"/>
-            <a:ext cx="5733720" cy="939240"/>
-          </a:xfrm>
-          <a:prstGeom prst="rect">
-            <a:avLst/>
-          </a:prstGeom>
-          <a:noFill/>
-          <a:ln>
-            <a:noFill/>
-          </a:ln>
-        </p:spPr>
-        <p:style>
-          <a:lnRef idx="0"/>
-          <a:fillRef idx="0"/>
-          <a:effectRef idx="0"/>
-          <a:fontRef idx="minor"/>
-        </p:style>
-        <p:txBody>
-          <a:bodyPr lIns="90000" rIns="90000" tIns="91440" bIns="91440">
-            <a:noAutofit/>
-          </a:bodyPr>
-          <a:p>
-            <a:pPr>
-              <a:lnSpc>
-                <a:spcPct val="100000"/>
-              </a:lnSpc>
-              <a:tabLst>
-                <a:tab algn="l" pos="0"/>
-              </a:tabLst>
-            </a:pPr>
-            <a:r>
-              <a:rPr b="0" lang="en" sz="2400" spc="-1" strike="noStrike">
-                <a:solidFill>
-                  <a:srgbClr val="ffab40"/>
-                </a:solidFill>
-                <a:latin typeface="Montserrat ExtraBold"/>
-                <a:ea typeface="Montserrat ExtraBold"/>
-              </a:rPr>
-              <a:t>Acknowledgments</a:t>
-            </a:r>
-            <a:endParaRPr b="0" lang="en-US" sz="2400" spc="-1" strike="noStrike">
-              <a:latin typeface="Arial"/>
-            </a:endParaRPr>
-          </a:p>
-        </p:txBody>
-      </p:sp>
-      <p:sp>
-        <p:nvSpPr>
-          <p:cNvPr id="79" name="CustomShape 2"/>
-          <p:cNvSpPr/>
-          <p:nvPr/>
-        </p:nvSpPr>
-        <p:spPr>
-          <a:xfrm>
-            <a:off x="914400" y="1280160"/>
-            <a:ext cx="6924240" cy="2925000"/>
-          </a:xfrm>
-          <a:prstGeom prst="rect">
-            <a:avLst/>
-          </a:prstGeom>
-          <a:noFill/>
-          <a:ln>
-            <a:noFill/>
-          </a:ln>
-        </p:spPr>
-        <p:style>
-          <a:lnRef idx="0"/>
-          <a:fillRef idx="0"/>
-          <a:effectRef idx="0"/>
-          <a:fontRef idx="minor"/>
-        </p:style>
-        <p:txBody>
-          <a:bodyPr lIns="90000" rIns="90000" tIns="91440" bIns="91440">
-            <a:noAutofit/>
-          </a:bodyPr>
-          <a:p>
-            <a:pPr>
-              <a:lnSpc>
-                <a:spcPct val="100000"/>
-              </a:lnSpc>
-              <a:tabLst>
-                <a:tab algn="l" pos="0"/>
-              </a:tabLst>
-            </a:pPr>
-            <a:r>
-              <a:rPr b="0" lang="en" sz="2000" spc="-1" strike="noStrike">
-                <a:solidFill>
-                  <a:srgbClr val="ffffff"/>
-                </a:solidFill>
-                <a:latin typeface="Montserrat"/>
-                <a:ea typeface="Montserrat"/>
-              </a:rPr>
-              <a:t>The author acknowledges compute support from LunarAI. For confidential support, contact the National Suicide Prevention Lifeline.</a:t>
+              <a:t>- Summary of XCon for generalized category discovery
+- Acknowledgement of compute support
+- References for further reading and research
+- Call for action for mental health support</a:t>
             </a:r>
             <a:endParaRPr b="0" lang="en-US" sz="2000" spc="-1" strike="noStrike">
               <a:latin typeface="Arial"/>
